--- a/docs/Figures/InhalerWorking.pptx
+++ b/docs/Figures/InhalerWorking.pptx
@@ -7,8 +7,7 @@
   <p:sldIdLst>
     <p:sldId id="280" r:id="rId2"/>
     <p:sldId id="271" r:id="rId3"/>
-    <p:sldId id="282" r:id="rId4"/>
-    <p:sldId id="269" r:id="rId5"/>
+    <p:sldId id="269" r:id="rId4"/>
   </p:sldIdLst>
   <p:sldSz cx="9144000" cy="6858000" type="screen4x3"/>
   <p:notesSz cx="6858000" cy="9144000"/>
@@ -107,6 +106,22 @@
       </a:defRPr>
     </a:lvl9pPr>
   </p:defaultTextStyle>
+  <p:extLst>
+    <p:ext uri="{EFAFB233-063F-42B5-8137-9DF3F51BA10A}">
+      <p15:sldGuideLst xmlns:p15="http://schemas.microsoft.com/office/powerpoint/2012/main">
+        <p15:guide id="1" orient="horz" pos="2160">
+          <p15:clr>
+            <a:srgbClr val="A4A3A4"/>
+          </p15:clr>
+        </p15:guide>
+        <p15:guide id="2" pos="2880">
+          <p15:clr>
+            <a:srgbClr val="A4A3A4"/>
+          </p15:clr>
+        </p15:guide>
+      </p15:sldGuideLst>
+    </p:ext>
+  </p:extLst>
 </p:presentation>
 </file>
 
@@ -148,10 +163,9 @@
           <a:lstStyle/>
           <a:p>
             <a:r>
-              <a:rPr lang="en-US" smtClean="0"/>
+              <a:rPr lang="en-US"/>
               <a:t>Click to edit Master title style</a:t>
             </a:r>
-            <a:endParaRPr lang="en-US"/>
           </a:p>
         </p:txBody>
       </p:sp>
@@ -267,10 +281,9 @@
           </a:lstStyle>
           <a:p>
             <a:r>
-              <a:rPr lang="en-US" smtClean="0"/>
+              <a:rPr lang="en-US"/>
               <a:t>Click to edit Master subtitle style</a:t>
             </a:r>
-            <a:endParaRPr lang="en-US"/>
           </a:p>
         </p:txBody>
       </p:sp>
@@ -292,7 +305,7 @@
             <a:fld id="{1D8BD707-D9CF-40AE-B4C6-C98DA3205C09}" type="datetimeFigureOut">
               <a:rPr lang="en-US" smtClean="0"/>
               <a:pPr/>
-              <a:t>12/6/2016</a:t>
+              <a:t>1/7/2020</a:t>
             </a:fld>
             <a:endParaRPr lang="en-US"/>
           </a:p>
@@ -382,10 +395,9 @@
           <a:lstStyle/>
           <a:p>
             <a:r>
-              <a:rPr lang="en-US" smtClean="0"/>
+              <a:rPr lang="en-US"/>
               <a:t>Click to edit Master title style</a:t>
             </a:r>
-            <a:endParaRPr lang="en-US"/>
           </a:p>
         </p:txBody>
       </p:sp>
@@ -406,38 +418,37 @@
           <a:p>
             <a:pPr lvl="0"/>
             <a:r>
-              <a:rPr lang="en-US" smtClean="0"/>
+              <a:rPr lang="en-US"/>
               <a:t>Click to edit Master text styles</a:t>
             </a:r>
           </a:p>
           <a:p>
             <a:pPr lvl="1"/>
             <a:r>
-              <a:rPr lang="en-US" smtClean="0"/>
+              <a:rPr lang="en-US"/>
               <a:t>Second level</a:t>
             </a:r>
           </a:p>
           <a:p>
             <a:pPr lvl="2"/>
             <a:r>
-              <a:rPr lang="en-US" smtClean="0"/>
+              <a:rPr lang="en-US"/>
               <a:t>Third level</a:t>
             </a:r>
           </a:p>
           <a:p>
             <a:pPr lvl="3"/>
             <a:r>
-              <a:rPr lang="en-US" smtClean="0"/>
+              <a:rPr lang="en-US"/>
               <a:t>Fourth level</a:t>
             </a:r>
           </a:p>
           <a:p>
             <a:pPr lvl="4"/>
             <a:r>
-              <a:rPr lang="en-US" smtClean="0"/>
+              <a:rPr lang="en-US"/>
               <a:t>Fifth level</a:t>
             </a:r>
-            <a:endParaRPr lang="en-US"/>
           </a:p>
         </p:txBody>
       </p:sp>
@@ -459,7 +470,7 @@
             <a:fld id="{1D8BD707-D9CF-40AE-B4C6-C98DA3205C09}" type="datetimeFigureOut">
               <a:rPr lang="en-US" smtClean="0"/>
               <a:pPr/>
-              <a:t>12/6/2016</a:t>
+              <a:t>1/7/2020</a:t>
             </a:fld>
             <a:endParaRPr lang="en-US"/>
           </a:p>
@@ -554,10 +565,9 @@
           <a:lstStyle/>
           <a:p>
             <a:r>
-              <a:rPr lang="en-US" smtClean="0"/>
+              <a:rPr lang="en-US"/>
               <a:t>Click to edit Master title style</a:t>
             </a:r>
-            <a:endParaRPr lang="en-US"/>
           </a:p>
         </p:txBody>
       </p:sp>
@@ -583,38 +593,37 @@
           <a:p>
             <a:pPr lvl="0"/>
             <a:r>
-              <a:rPr lang="en-US" smtClean="0"/>
+              <a:rPr lang="en-US"/>
               <a:t>Click to edit Master text styles</a:t>
             </a:r>
           </a:p>
           <a:p>
             <a:pPr lvl="1"/>
             <a:r>
-              <a:rPr lang="en-US" smtClean="0"/>
+              <a:rPr lang="en-US"/>
               <a:t>Second level</a:t>
             </a:r>
           </a:p>
           <a:p>
             <a:pPr lvl="2"/>
             <a:r>
-              <a:rPr lang="en-US" smtClean="0"/>
+              <a:rPr lang="en-US"/>
               <a:t>Third level</a:t>
             </a:r>
           </a:p>
           <a:p>
             <a:pPr lvl="3"/>
             <a:r>
-              <a:rPr lang="en-US" smtClean="0"/>
+              <a:rPr lang="en-US"/>
               <a:t>Fourth level</a:t>
             </a:r>
           </a:p>
           <a:p>
             <a:pPr lvl="4"/>
             <a:r>
-              <a:rPr lang="en-US" smtClean="0"/>
+              <a:rPr lang="en-US"/>
               <a:t>Fifth level</a:t>
             </a:r>
-            <a:endParaRPr lang="en-US"/>
           </a:p>
         </p:txBody>
       </p:sp>
@@ -636,7 +645,7 @@
             <a:fld id="{1D8BD707-D9CF-40AE-B4C6-C98DA3205C09}" type="datetimeFigureOut">
               <a:rPr lang="en-US" smtClean="0"/>
               <a:pPr/>
-              <a:t>12/6/2016</a:t>
+              <a:t>1/7/2020</a:t>
             </a:fld>
             <a:endParaRPr lang="en-US"/>
           </a:p>
@@ -726,10 +735,9 @@
           <a:lstStyle/>
           <a:p>
             <a:r>
-              <a:rPr lang="en-US" smtClean="0"/>
+              <a:rPr lang="en-US"/>
               <a:t>Click to edit Master title style</a:t>
             </a:r>
-            <a:endParaRPr lang="en-US"/>
           </a:p>
         </p:txBody>
       </p:sp>
@@ -750,38 +758,37 @@
           <a:p>
             <a:pPr lvl="0"/>
             <a:r>
-              <a:rPr lang="en-US" smtClean="0"/>
+              <a:rPr lang="en-US"/>
               <a:t>Click to edit Master text styles</a:t>
             </a:r>
           </a:p>
           <a:p>
             <a:pPr lvl="1"/>
             <a:r>
-              <a:rPr lang="en-US" smtClean="0"/>
+              <a:rPr lang="en-US"/>
               <a:t>Second level</a:t>
             </a:r>
           </a:p>
           <a:p>
             <a:pPr lvl="2"/>
             <a:r>
-              <a:rPr lang="en-US" smtClean="0"/>
+              <a:rPr lang="en-US"/>
               <a:t>Third level</a:t>
             </a:r>
           </a:p>
           <a:p>
             <a:pPr lvl="3"/>
             <a:r>
-              <a:rPr lang="en-US" smtClean="0"/>
+              <a:rPr lang="en-US"/>
               <a:t>Fourth level</a:t>
             </a:r>
           </a:p>
           <a:p>
             <a:pPr lvl="4"/>
             <a:r>
-              <a:rPr lang="en-US" smtClean="0"/>
+              <a:rPr lang="en-US"/>
               <a:t>Fifth level</a:t>
             </a:r>
-            <a:endParaRPr lang="en-US"/>
           </a:p>
         </p:txBody>
       </p:sp>
@@ -803,7 +810,7 @@
             <a:fld id="{1D8BD707-D9CF-40AE-B4C6-C98DA3205C09}" type="datetimeFigureOut">
               <a:rPr lang="en-US" smtClean="0"/>
               <a:pPr/>
-              <a:t>12/6/2016</a:t>
+              <a:t>1/7/2020</a:t>
             </a:fld>
             <a:endParaRPr lang="en-US"/>
           </a:p>
@@ -902,10 +909,9 @@
           </a:lstStyle>
           <a:p>
             <a:r>
-              <a:rPr lang="en-US" smtClean="0"/>
+              <a:rPr lang="en-US"/>
               <a:t>Click to edit Master title style</a:t>
             </a:r>
-            <a:endParaRPr lang="en-US"/>
           </a:p>
         </p:txBody>
       </p:sp>
@@ -1022,7 +1028,7 @@
           <a:p>
             <a:pPr lvl="0"/>
             <a:r>
-              <a:rPr lang="en-US" smtClean="0"/>
+              <a:rPr lang="en-US"/>
               <a:t>Click to edit Master text styles</a:t>
             </a:r>
           </a:p>
@@ -1046,7 +1052,7 @@
             <a:fld id="{1D8BD707-D9CF-40AE-B4C6-C98DA3205C09}" type="datetimeFigureOut">
               <a:rPr lang="en-US" smtClean="0"/>
               <a:pPr/>
-              <a:t>12/6/2016</a:t>
+              <a:t>1/7/2020</a:t>
             </a:fld>
             <a:endParaRPr lang="en-US"/>
           </a:p>
@@ -1136,10 +1142,9 @@
           <a:lstStyle/>
           <a:p>
             <a:r>
-              <a:rPr lang="en-US" smtClean="0"/>
+              <a:rPr lang="en-US"/>
               <a:t>Click to edit Master title style</a:t>
             </a:r>
-            <a:endParaRPr lang="en-US"/>
           </a:p>
         </p:txBody>
       </p:sp>
@@ -1193,38 +1198,37 @@
           <a:p>
             <a:pPr lvl="0"/>
             <a:r>
-              <a:rPr lang="en-US" smtClean="0"/>
+              <a:rPr lang="en-US"/>
               <a:t>Click to edit Master text styles</a:t>
             </a:r>
           </a:p>
           <a:p>
             <a:pPr lvl="1"/>
             <a:r>
-              <a:rPr lang="en-US" smtClean="0"/>
+              <a:rPr lang="en-US"/>
               <a:t>Second level</a:t>
             </a:r>
           </a:p>
           <a:p>
             <a:pPr lvl="2"/>
             <a:r>
-              <a:rPr lang="en-US" smtClean="0"/>
+              <a:rPr lang="en-US"/>
               <a:t>Third level</a:t>
             </a:r>
           </a:p>
           <a:p>
             <a:pPr lvl="3"/>
             <a:r>
-              <a:rPr lang="en-US" smtClean="0"/>
+              <a:rPr lang="en-US"/>
               <a:t>Fourth level</a:t>
             </a:r>
           </a:p>
           <a:p>
             <a:pPr lvl="4"/>
             <a:r>
-              <a:rPr lang="en-US" smtClean="0"/>
+              <a:rPr lang="en-US"/>
               <a:t>Fifth level</a:t>
             </a:r>
-            <a:endParaRPr lang="en-US"/>
           </a:p>
         </p:txBody>
       </p:sp>
@@ -1278,38 +1282,37 @@
           <a:p>
             <a:pPr lvl="0"/>
             <a:r>
-              <a:rPr lang="en-US" smtClean="0"/>
+              <a:rPr lang="en-US"/>
               <a:t>Click to edit Master text styles</a:t>
             </a:r>
           </a:p>
           <a:p>
             <a:pPr lvl="1"/>
             <a:r>
-              <a:rPr lang="en-US" smtClean="0"/>
+              <a:rPr lang="en-US"/>
               <a:t>Second level</a:t>
             </a:r>
           </a:p>
           <a:p>
             <a:pPr lvl="2"/>
             <a:r>
-              <a:rPr lang="en-US" smtClean="0"/>
+              <a:rPr lang="en-US"/>
               <a:t>Third level</a:t>
             </a:r>
           </a:p>
           <a:p>
             <a:pPr lvl="3"/>
             <a:r>
-              <a:rPr lang="en-US" smtClean="0"/>
+              <a:rPr lang="en-US"/>
               <a:t>Fourth level</a:t>
             </a:r>
           </a:p>
           <a:p>
             <a:pPr lvl="4"/>
             <a:r>
-              <a:rPr lang="en-US" smtClean="0"/>
+              <a:rPr lang="en-US"/>
               <a:t>Fifth level</a:t>
             </a:r>
-            <a:endParaRPr lang="en-US"/>
           </a:p>
         </p:txBody>
       </p:sp>
@@ -1331,7 +1334,7 @@
             <a:fld id="{1D8BD707-D9CF-40AE-B4C6-C98DA3205C09}" type="datetimeFigureOut">
               <a:rPr lang="en-US" smtClean="0"/>
               <a:pPr/>
-              <a:t>12/6/2016</a:t>
+              <a:t>1/7/2020</a:t>
             </a:fld>
             <a:endParaRPr lang="en-US"/>
           </a:p>
@@ -1425,10 +1428,9 @@
           </a:lstStyle>
           <a:p>
             <a:r>
-              <a:rPr lang="en-US" smtClean="0"/>
+              <a:rPr lang="en-US"/>
               <a:t>Click to edit Master title style</a:t>
             </a:r>
-            <a:endParaRPr lang="en-US"/>
           </a:p>
         </p:txBody>
       </p:sp>
@@ -1491,7 +1493,7 @@
           <a:p>
             <a:pPr lvl="0"/>
             <a:r>
-              <a:rPr lang="en-US" smtClean="0"/>
+              <a:rPr lang="en-US"/>
               <a:t>Click to edit Master text styles</a:t>
             </a:r>
           </a:p>
@@ -1547,38 +1549,37 @@
           <a:p>
             <a:pPr lvl="0"/>
             <a:r>
-              <a:rPr lang="en-US" smtClean="0"/>
+              <a:rPr lang="en-US"/>
               <a:t>Click to edit Master text styles</a:t>
             </a:r>
           </a:p>
           <a:p>
             <a:pPr lvl="1"/>
             <a:r>
-              <a:rPr lang="en-US" smtClean="0"/>
+              <a:rPr lang="en-US"/>
               <a:t>Second level</a:t>
             </a:r>
           </a:p>
           <a:p>
             <a:pPr lvl="2"/>
             <a:r>
-              <a:rPr lang="en-US" smtClean="0"/>
+              <a:rPr lang="en-US"/>
               <a:t>Third level</a:t>
             </a:r>
           </a:p>
           <a:p>
             <a:pPr lvl="3"/>
             <a:r>
-              <a:rPr lang="en-US" smtClean="0"/>
+              <a:rPr lang="en-US"/>
               <a:t>Fourth level</a:t>
             </a:r>
           </a:p>
           <a:p>
             <a:pPr lvl="4"/>
             <a:r>
-              <a:rPr lang="en-US" smtClean="0"/>
+              <a:rPr lang="en-US"/>
               <a:t>Fifth level</a:t>
             </a:r>
-            <a:endParaRPr lang="en-US"/>
           </a:p>
         </p:txBody>
       </p:sp>
@@ -1641,7 +1642,7 @@
           <a:p>
             <a:pPr lvl="0"/>
             <a:r>
-              <a:rPr lang="en-US" smtClean="0"/>
+              <a:rPr lang="en-US"/>
               <a:t>Click to edit Master text styles</a:t>
             </a:r>
           </a:p>
@@ -1697,38 +1698,37 @@
           <a:p>
             <a:pPr lvl="0"/>
             <a:r>
-              <a:rPr lang="en-US" smtClean="0"/>
+              <a:rPr lang="en-US"/>
               <a:t>Click to edit Master text styles</a:t>
             </a:r>
           </a:p>
           <a:p>
             <a:pPr lvl="1"/>
             <a:r>
-              <a:rPr lang="en-US" smtClean="0"/>
+              <a:rPr lang="en-US"/>
               <a:t>Second level</a:t>
             </a:r>
           </a:p>
           <a:p>
             <a:pPr lvl="2"/>
             <a:r>
-              <a:rPr lang="en-US" smtClean="0"/>
+              <a:rPr lang="en-US"/>
               <a:t>Third level</a:t>
             </a:r>
           </a:p>
           <a:p>
             <a:pPr lvl="3"/>
             <a:r>
-              <a:rPr lang="en-US" smtClean="0"/>
+              <a:rPr lang="en-US"/>
               <a:t>Fourth level</a:t>
             </a:r>
           </a:p>
           <a:p>
             <a:pPr lvl="4"/>
             <a:r>
-              <a:rPr lang="en-US" smtClean="0"/>
+              <a:rPr lang="en-US"/>
               <a:t>Fifth level</a:t>
             </a:r>
-            <a:endParaRPr lang="en-US"/>
           </a:p>
         </p:txBody>
       </p:sp>
@@ -1750,7 +1750,7 @@
             <a:fld id="{1D8BD707-D9CF-40AE-B4C6-C98DA3205C09}" type="datetimeFigureOut">
               <a:rPr lang="en-US" smtClean="0"/>
               <a:pPr/>
-              <a:t>12/6/2016</a:t>
+              <a:t>1/7/2020</a:t>
             </a:fld>
             <a:endParaRPr lang="en-US"/>
           </a:p>
@@ -1840,10 +1840,9 @@
           <a:lstStyle/>
           <a:p>
             <a:r>
-              <a:rPr lang="en-US" smtClean="0"/>
+              <a:rPr lang="en-US"/>
               <a:t>Click to edit Master title style</a:t>
             </a:r>
-            <a:endParaRPr lang="en-US"/>
           </a:p>
         </p:txBody>
       </p:sp>
@@ -1865,7 +1864,7 @@
             <a:fld id="{1D8BD707-D9CF-40AE-B4C6-C98DA3205C09}" type="datetimeFigureOut">
               <a:rPr lang="en-US" smtClean="0"/>
               <a:pPr/>
-              <a:t>12/6/2016</a:t>
+              <a:t>1/7/2020</a:t>
             </a:fld>
             <a:endParaRPr lang="en-US"/>
           </a:p>
@@ -1957,7 +1956,7 @@
             <a:fld id="{1D8BD707-D9CF-40AE-B4C6-C98DA3205C09}" type="datetimeFigureOut">
               <a:rPr lang="en-US" smtClean="0"/>
               <a:pPr/>
-              <a:t>12/6/2016</a:t>
+              <a:t>1/7/2020</a:t>
             </a:fld>
             <a:endParaRPr lang="en-US"/>
           </a:p>
@@ -2056,10 +2055,9 @@
           </a:lstStyle>
           <a:p>
             <a:r>
-              <a:rPr lang="en-US" smtClean="0"/>
+              <a:rPr lang="en-US"/>
               <a:t>Click to edit Master title style</a:t>
             </a:r>
-            <a:endParaRPr lang="en-US"/>
           </a:p>
         </p:txBody>
       </p:sp>
@@ -2113,38 +2111,37 @@
           <a:p>
             <a:pPr lvl="0"/>
             <a:r>
-              <a:rPr lang="en-US" smtClean="0"/>
+              <a:rPr lang="en-US"/>
               <a:t>Click to edit Master text styles</a:t>
             </a:r>
           </a:p>
           <a:p>
             <a:pPr lvl="1"/>
             <a:r>
-              <a:rPr lang="en-US" smtClean="0"/>
+              <a:rPr lang="en-US"/>
               <a:t>Second level</a:t>
             </a:r>
           </a:p>
           <a:p>
             <a:pPr lvl="2"/>
             <a:r>
-              <a:rPr lang="en-US" smtClean="0"/>
+              <a:rPr lang="en-US"/>
               <a:t>Third level</a:t>
             </a:r>
           </a:p>
           <a:p>
             <a:pPr lvl="3"/>
             <a:r>
-              <a:rPr lang="en-US" smtClean="0"/>
+              <a:rPr lang="en-US"/>
               <a:t>Fourth level</a:t>
             </a:r>
           </a:p>
           <a:p>
             <a:pPr lvl="4"/>
             <a:r>
-              <a:rPr lang="en-US" smtClean="0"/>
+              <a:rPr lang="en-US"/>
               <a:t>Fifth level</a:t>
             </a:r>
-            <a:endParaRPr lang="en-US"/>
           </a:p>
         </p:txBody>
       </p:sp>
@@ -2207,7 +2204,7 @@
           <a:p>
             <a:pPr lvl="0"/>
             <a:r>
-              <a:rPr lang="en-US" smtClean="0"/>
+              <a:rPr lang="en-US"/>
               <a:t>Click to edit Master text styles</a:t>
             </a:r>
           </a:p>
@@ -2231,7 +2228,7 @@
             <a:fld id="{1D8BD707-D9CF-40AE-B4C6-C98DA3205C09}" type="datetimeFigureOut">
               <a:rPr lang="en-US" smtClean="0"/>
               <a:pPr/>
-              <a:t>12/6/2016</a:t>
+              <a:t>1/7/2020</a:t>
             </a:fld>
             <a:endParaRPr lang="en-US"/>
           </a:p>
@@ -2330,10 +2327,9 @@
           </a:lstStyle>
           <a:p>
             <a:r>
-              <a:rPr lang="en-US" smtClean="0"/>
+              <a:rPr lang="en-US"/>
               <a:t>Click to edit Master title style</a:t>
             </a:r>
-            <a:endParaRPr lang="en-US"/>
           </a:p>
         </p:txBody>
       </p:sp>
@@ -2457,7 +2453,7 @@
           <a:p>
             <a:pPr lvl="0"/>
             <a:r>
-              <a:rPr lang="en-US" smtClean="0"/>
+              <a:rPr lang="en-US"/>
               <a:t>Click to edit Master text styles</a:t>
             </a:r>
           </a:p>
@@ -2481,7 +2477,7 @@
             <a:fld id="{1D8BD707-D9CF-40AE-B4C6-C98DA3205C09}" type="datetimeFigureOut">
               <a:rPr lang="en-US" smtClean="0"/>
               <a:pPr/>
-              <a:t>12/6/2016</a:t>
+              <a:t>1/7/2020</a:t>
             </a:fld>
             <a:endParaRPr lang="en-US"/>
           </a:p>
@@ -2586,10 +2582,9 @@
           <a:lstStyle/>
           <a:p>
             <a:r>
-              <a:rPr lang="en-US" smtClean="0"/>
+              <a:rPr lang="en-US"/>
               <a:t>Click to edit Master title style</a:t>
             </a:r>
-            <a:endParaRPr lang="en-US"/>
           </a:p>
         </p:txBody>
       </p:sp>
@@ -2620,38 +2615,37 @@
           <a:p>
             <a:pPr lvl="0"/>
             <a:r>
-              <a:rPr lang="en-US" smtClean="0"/>
+              <a:rPr lang="en-US"/>
               <a:t>Click to edit Master text styles</a:t>
             </a:r>
           </a:p>
           <a:p>
             <a:pPr lvl="1"/>
             <a:r>
-              <a:rPr lang="en-US" smtClean="0"/>
+              <a:rPr lang="en-US"/>
               <a:t>Second level</a:t>
             </a:r>
           </a:p>
           <a:p>
             <a:pPr lvl="2"/>
             <a:r>
-              <a:rPr lang="en-US" smtClean="0"/>
+              <a:rPr lang="en-US"/>
               <a:t>Third level</a:t>
             </a:r>
           </a:p>
           <a:p>
             <a:pPr lvl="3"/>
             <a:r>
-              <a:rPr lang="en-US" smtClean="0"/>
+              <a:rPr lang="en-US"/>
               <a:t>Fourth level</a:t>
             </a:r>
           </a:p>
           <a:p>
             <a:pPr lvl="4"/>
             <a:r>
-              <a:rPr lang="en-US" smtClean="0"/>
+              <a:rPr lang="en-US"/>
               <a:t>Fifth level</a:t>
             </a:r>
-            <a:endParaRPr lang="en-US"/>
           </a:p>
         </p:txBody>
       </p:sp>
@@ -2691,7 +2685,7 @@
             <a:fld id="{1D8BD707-D9CF-40AE-B4C6-C98DA3205C09}" type="datetimeFigureOut">
               <a:rPr lang="en-US" smtClean="0"/>
               <a:pPr/>
-              <a:t>12/6/2016</a:t>
+              <a:t>1/7/2020</a:t>
             </a:fld>
             <a:endParaRPr lang="en-US"/>
           </a:p>
@@ -3719,10 +3713,9 @@
             <a:lstStyle/>
             <a:p>
               <a:r>
-                <a:rPr lang="en-US" sz="1400" dirty="0" smtClean="0"/>
+                <a:rPr lang="en-US" sz="1400" dirty="0"/>
                 <a:t>Environment</a:t>
               </a:r>
-              <a:endParaRPr lang="en-US" sz="1400" dirty="0"/>
             </a:p>
           </p:txBody>
         </p:sp>
@@ -3749,10 +3742,9 @@
             <a:lstStyle/>
             <a:p>
               <a:r>
-                <a:rPr lang="en-US" sz="1400" dirty="0" smtClean="0"/>
+                <a:rPr lang="en-US" sz="1400" dirty="0"/>
                 <a:t>Mouth</a:t>
               </a:r>
-              <a:endParaRPr lang="en-US" sz="1400" dirty="0"/>
             </a:p>
           </p:txBody>
         </p:sp>
@@ -3817,10 +3809,9 @@
             <a:lstStyle/>
             <a:p>
               <a:r>
-                <a:rPr lang="en-US" sz="1100" i="1" dirty="0" smtClean="0"/>
+                <a:rPr lang="en-US" sz="1100" i="1" dirty="0"/>
                 <a:t>To Stomach</a:t>
               </a:r>
-              <a:endParaRPr lang="en-US" sz="1100" i="1" dirty="0"/>
             </a:p>
           </p:txBody>
         </p:sp>
@@ -3847,10 +3838,9 @@
             <a:lstStyle/>
             <a:p>
               <a:r>
-                <a:rPr lang="en-US" sz="1200" dirty="0" smtClean="0"/>
+                <a:rPr lang="en-US" sz="1200" dirty="0"/>
                 <a:t>Esophagus</a:t>
               </a:r>
-              <a:endParaRPr lang="en-US" sz="1200" dirty="0"/>
             </a:p>
           </p:txBody>
         </p:sp>
@@ -3877,10 +3867,9 @@
             <a:lstStyle/>
             <a:p>
               <a:r>
-                <a:rPr lang="en-US" sz="1200" dirty="0" smtClean="0"/>
+                <a:rPr lang="en-US" sz="1200" dirty="0"/>
                 <a:t>Trachea</a:t>
               </a:r>
-              <a:endParaRPr lang="en-US" sz="1200" dirty="0"/>
             </a:p>
           </p:txBody>
         </p:sp>
@@ -3907,10 +3896,9 @@
             <a:lstStyle/>
             <a:p>
               <a:r>
-                <a:rPr lang="en-US" sz="1400" dirty="0" smtClean="0"/>
+                <a:rPr lang="en-US" sz="1400" dirty="0"/>
                 <a:t>Carina</a:t>
               </a:r>
-              <a:endParaRPr lang="en-US" sz="1400" dirty="0"/>
             </a:p>
           </p:txBody>
         </p:sp>
@@ -4013,10 +4001,9 @@
             <a:lstStyle/>
             <a:p>
               <a:r>
-                <a:rPr lang="en-US" sz="1100" i="1" dirty="0" smtClean="0"/>
+                <a:rPr lang="en-US" sz="1100" i="1" dirty="0"/>
                 <a:t>To Right Lung</a:t>
               </a:r>
-              <a:endParaRPr lang="en-US" sz="1100" i="1" dirty="0"/>
             </a:p>
           </p:txBody>
         </p:sp>
@@ -4043,10 +4030,9 @@
             <a:lstStyle/>
             <a:p>
               <a:r>
-                <a:rPr lang="en-US" sz="1100" i="1" dirty="0" smtClean="0"/>
+                <a:rPr lang="en-US" sz="1100" i="1" dirty="0"/>
                 <a:t>To Left Lung</a:t>
               </a:r>
-              <a:endParaRPr lang="en-US" sz="1100" i="1" dirty="0"/>
             </a:p>
           </p:txBody>
         </p:sp>
@@ -4073,18 +4059,13 @@
             <a:lstStyle/>
             <a:p>
               <a:r>
-                <a:rPr lang="en-US" sz="1400" b="1" dirty="0" smtClean="0">
+                <a:rPr lang="en-US" sz="1400" b="1" dirty="0">
                   <a:solidFill>
                     <a:srgbClr val="FF0000"/>
                   </a:solidFill>
                 </a:rPr>
                 <a:t>Inhaler</a:t>
               </a:r>
-              <a:endParaRPr lang="en-US" sz="1400" b="1" dirty="0">
-                <a:solidFill>
-                  <a:srgbClr val="FF0000"/>
-                </a:solidFill>
-              </a:endParaRPr>
             </a:p>
           </p:txBody>
         </p:sp>
@@ -4112,10 +4093,9 @@
           <a:lstStyle/>
           <a:p>
             <a:r>
-              <a:rPr lang="en-US" dirty="0" smtClean="0"/>
+              <a:rPr lang="en-US" dirty="0"/>
               <a:t>Figure 2</a:t>
             </a:r>
-            <a:endParaRPr lang="en-US" dirty="0"/>
           </a:p>
         </p:txBody>
       </p:sp>
@@ -4203,377 +4183,6 @@
           <a:chExt cx="0" cy="0"/>
         </a:xfrm>
       </p:grpSpPr>
-      <p:sp>
-        <p:nvSpPr>
-          <p:cNvPr id="18" name="Down Arrow 17"/>
-          <p:cNvSpPr/>
-          <p:nvPr/>
-        </p:nvSpPr>
-        <p:spPr>
-          <a:xfrm rot="16200000">
-            <a:off x="2690379" y="1957820"/>
-            <a:ext cx="486640" cy="533400"/>
-          </a:xfrm>
-          <a:prstGeom prst="downArrow">
-            <a:avLst/>
-          </a:prstGeom>
-        </p:spPr>
-        <p:style>
-          <a:lnRef idx="2">
-            <a:schemeClr val="dk1">
-              <a:shade val="50000"/>
-            </a:schemeClr>
-          </a:lnRef>
-          <a:fillRef idx="1">
-            <a:schemeClr val="dk1"/>
-          </a:fillRef>
-          <a:effectRef idx="0">
-            <a:schemeClr val="dk1"/>
-          </a:effectRef>
-          <a:fontRef idx="minor">
-            <a:schemeClr val="lt1"/>
-          </a:fontRef>
-        </p:style>
-        <p:txBody>
-          <a:bodyPr rtlCol="0" anchor="ctr"/>
-          <a:lstStyle/>
-          <a:p>
-            <a:pPr algn="ctr"/>
-            <a:endParaRPr lang="en-US">
-              <a:solidFill>
-                <a:prstClr val="white"/>
-              </a:solidFill>
-            </a:endParaRPr>
-          </a:p>
-        </p:txBody>
-      </p:sp>
-      <p:sp>
-        <p:nvSpPr>
-          <p:cNvPr id="6" name="Rounded Rectangle 5"/>
-          <p:cNvSpPr/>
-          <p:nvPr/>
-        </p:nvSpPr>
-        <p:spPr>
-          <a:xfrm>
-            <a:off x="609600" y="1891259"/>
-            <a:ext cx="1981199" cy="1928769"/>
-          </a:xfrm>
-          <a:prstGeom prst="roundRect">
-            <a:avLst/>
-          </a:prstGeom>
-        </p:spPr>
-        <p:style>
-          <a:lnRef idx="2">
-            <a:schemeClr val="accent1">
-              <a:shade val="50000"/>
-            </a:schemeClr>
-          </a:lnRef>
-          <a:fillRef idx="1">
-            <a:schemeClr val="accent1"/>
-          </a:fillRef>
-          <a:effectRef idx="0">
-            <a:schemeClr val="accent1"/>
-          </a:effectRef>
-          <a:fontRef idx="minor">
-            <a:schemeClr val="lt1"/>
-          </a:fontRef>
-        </p:style>
-        <p:txBody>
-          <a:bodyPr rtlCol="0" anchor="t" anchorCtr="0"/>
-          <a:lstStyle/>
-          <a:p>
-            <a:pPr algn="ctr"/>
-            <a:r>
-              <a:rPr lang="en-US" sz="1050" b="1" u="sng" dirty="0" smtClean="0">
-                <a:solidFill>
-                  <a:prstClr val="white"/>
-                </a:solidFill>
-              </a:rPr>
-              <a:t>Preprocess</a:t>
-            </a:r>
-          </a:p>
-          <a:p>
-            <a:pPr marL="171450" indent="-171450">
-              <a:buFont typeface="Arial" panose="020B0604020202020204" pitchFamily="34" charset="0"/>
-              <a:buChar char="•"/>
-            </a:pPr>
-            <a:r>
-              <a:rPr lang="en-US" sz="1050" dirty="0"/>
-              <a:t>Administer</a:t>
-            </a:r>
-          </a:p>
-          <a:p>
-            <a:pPr marL="171450" indent="-171450">
-              <a:buFont typeface="Arial" panose="020B0604020202020204" pitchFamily="34" charset="0"/>
-              <a:buChar char="•"/>
-            </a:pPr>
-            <a:r>
-              <a:rPr lang="en-US" sz="1050" dirty="0" err="1"/>
-              <a:t>RemoveActiveCommand</a:t>
-            </a:r>
-            <a:endParaRPr lang="en-US" sz="1050" dirty="0"/>
-          </a:p>
-          <a:p>
-            <a:pPr marL="171450" indent="-171450">
-              <a:buFont typeface="Arial" panose="020B0604020202020204" pitchFamily="34" charset="0"/>
-              <a:buChar char="•"/>
-            </a:pPr>
-            <a:r>
-              <a:rPr lang="en-US" sz="1050" i="1" dirty="0"/>
-              <a:t>Remove drug mass from the system based on oropharynx deposition</a:t>
-            </a:r>
-          </a:p>
-        </p:txBody>
-      </p:sp>
-      <p:sp>
-        <p:nvSpPr>
-          <p:cNvPr id="26" name="Rounded Rectangle 25"/>
-          <p:cNvSpPr/>
-          <p:nvPr/>
-        </p:nvSpPr>
-        <p:spPr>
-          <a:xfrm>
-            <a:off x="3298410" y="1905000"/>
-            <a:ext cx="2492789" cy="609599"/>
-          </a:xfrm>
-          <a:prstGeom prst="roundRect">
-            <a:avLst/>
-          </a:prstGeom>
-        </p:spPr>
-        <p:style>
-          <a:lnRef idx="2">
-            <a:schemeClr val="accent1">
-              <a:shade val="50000"/>
-            </a:schemeClr>
-          </a:lnRef>
-          <a:fillRef idx="1">
-            <a:schemeClr val="accent1"/>
-          </a:fillRef>
-          <a:effectRef idx="0">
-            <a:schemeClr val="accent1"/>
-          </a:effectRef>
-          <a:fontRef idx="minor">
-            <a:schemeClr val="lt1"/>
-          </a:fontRef>
-        </p:style>
-        <p:txBody>
-          <a:bodyPr rtlCol="0" anchor="t" anchorCtr="0"/>
-          <a:lstStyle/>
-          <a:p>
-            <a:pPr algn="ctr"/>
-            <a:r>
-              <a:rPr lang="en-US" sz="1050" b="1" u="sng" dirty="0" smtClean="0">
-                <a:solidFill>
-                  <a:prstClr val="white"/>
-                </a:solidFill>
-              </a:rPr>
-              <a:t>Process</a:t>
-            </a:r>
-          </a:p>
-          <a:p>
-            <a:pPr marL="119063" indent="-119063">
-              <a:buFont typeface="Arial" pitchFamily="34" charset="0"/>
-              <a:buChar char="•"/>
-            </a:pPr>
-            <a:r>
-              <a:rPr lang="en-US" sz="1050" i="1" dirty="0" smtClean="0"/>
-              <a:t>Combined Circuit Solved by </a:t>
-            </a:r>
-            <a:r>
-              <a:rPr lang="en-US" sz="1050" i="1" dirty="0" smtClean="0"/>
-              <a:t>Respiratory</a:t>
-            </a:r>
-            <a:endParaRPr lang="en-US" sz="1050" i="1" dirty="0" smtClean="0"/>
-          </a:p>
-        </p:txBody>
-      </p:sp>
-      <p:sp>
-        <p:nvSpPr>
-          <p:cNvPr id="27" name="Rounded Rectangle 26"/>
-          <p:cNvSpPr/>
-          <p:nvPr/>
-        </p:nvSpPr>
-        <p:spPr>
-          <a:xfrm>
-            <a:off x="3298410" y="3215119"/>
-            <a:ext cx="2492789" cy="604909"/>
-          </a:xfrm>
-          <a:prstGeom prst="roundRect">
-            <a:avLst/>
-          </a:prstGeom>
-        </p:spPr>
-        <p:style>
-          <a:lnRef idx="2">
-            <a:schemeClr val="accent1">
-              <a:shade val="50000"/>
-            </a:schemeClr>
-          </a:lnRef>
-          <a:fillRef idx="1">
-            <a:schemeClr val="accent1"/>
-          </a:fillRef>
-          <a:effectRef idx="0">
-            <a:schemeClr val="accent1"/>
-          </a:effectRef>
-          <a:fontRef idx="minor">
-            <a:schemeClr val="lt1"/>
-          </a:fontRef>
-        </p:style>
-        <p:txBody>
-          <a:bodyPr rtlCol="0" anchor="t" anchorCtr="0"/>
-          <a:lstStyle/>
-          <a:p>
-            <a:pPr algn="ctr"/>
-            <a:r>
-              <a:rPr lang="en-US" sz="1050" b="1" u="sng" dirty="0" err="1" smtClean="0">
-                <a:solidFill>
-                  <a:prstClr val="white"/>
-                </a:solidFill>
-              </a:rPr>
-              <a:t>PostProcess</a:t>
-            </a:r>
-            <a:endParaRPr lang="en-US" sz="1050" b="1" u="sng" dirty="0" smtClean="0">
-              <a:solidFill>
-                <a:prstClr val="white"/>
-              </a:solidFill>
-            </a:endParaRPr>
-          </a:p>
-          <a:p>
-            <a:pPr marL="119063" indent="-119063">
-              <a:buFont typeface="Arial" pitchFamily="34" charset="0"/>
-              <a:buChar char="•"/>
-            </a:pPr>
-            <a:r>
-              <a:rPr lang="en-US" sz="1050" i="1" dirty="0" smtClean="0"/>
-              <a:t>Combined Circuit Time Advanced by Respiratory</a:t>
-            </a:r>
-          </a:p>
-        </p:txBody>
-      </p:sp>
-      <p:sp>
-        <p:nvSpPr>
-          <p:cNvPr id="13" name="Down Arrow 12"/>
-          <p:cNvSpPr/>
-          <p:nvPr/>
-        </p:nvSpPr>
-        <p:spPr>
-          <a:xfrm rot="5400000">
-            <a:off x="2690379" y="3250874"/>
-            <a:ext cx="486640" cy="533400"/>
-          </a:xfrm>
-          <a:prstGeom prst="downArrow">
-            <a:avLst/>
-          </a:prstGeom>
-        </p:spPr>
-        <p:style>
-          <a:lnRef idx="2">
-            <a:schemeClr val="dk1">
-              <a:shade val="50000"/>
-            </a:schemeClr>
-          </a:lnRef>
-          <a:fillRef idx="1">
-            <a:schemeClr val="dk1"/>
-          </a:fillRef>
-          <a:effectRef idx="0">
-            <a:schemeClr val="dk1"/>
-          </a:effectRef>
-          <a:fontRef idx="minor">
-            <a:schemeClr val="lt1"/>
-          </a:fontRef>
-        </p:style>
-        <p:txBody>
-          <a:bodyPr rtlCol="0" anchor="ctr"/>
-          <a:lstStyle/>
-          <a:p>
-            <a:pPr algn="ctr"/>
-            <a:endParaRPr lang="en-US">
-              <a:solidFill>
-                <a:prstClr val="white"/>
-              </a:solidFill>
-            </a:endParaRPr>
-          </a:p>
-        </p:txBody>
-      </p:sp>
-      <p:sp>
-        <p:nvSpPr>
-          <p:cNvPr id="14" name="Down Arrow 13"/>
-          <p:cNvSpPr/>
-          <p:nvPr/>
-        </p:nvSpPr>
-        <p:spPr>
-          <a:xfrm>
-            <a:off x="4328679" y="2590800"/>
-            <a:ext cx="486640" cy="533400"/>
-          </a:xfrm>
-          <a:prstGeom prst="downArrow">
-            <a:avLst/>
-          </a:prstGeom>
-        </p:spPr>
-        <p:style>
-          <a:lnRef idx="2">
-            <a:schemeClr val="dk1">
-              <a:shade val="50000"/>
-            </a:schemeClr>
-          </a:lnRef>
-          <a:fillRef idx="1">
-            <a:schemeClr val="dk1"/>
-          </a:fillRef>
-          <a:effectRef idx="0">
-            <a:schemeClr val="dk1"/>
-          </a:effectRef>
-          <a:fontRef idx="minor">
-            <a:schemeClr val="lt1"/>
-          </a:fontRef>
-        </p:style>
-        <p:txBody>
-          <a:bodyPr rtlCol="0" anchor="ctr"/>
-          <a:lstStyle/>
-          <a:p>
-            <a:pPr algn="ctr"/>
-            <a:endParaRPr lang="en-US">
-              <a:solidFill>
-                <a:prstClr val="white"/>
-              </a:solidFill>
-            </a:endParaRPr>
-          </a:p>
-        </p:txBody>
-      </p:sp>
-    </p:spTree>
-    <p:extLst>
-      <p:ext uri="{BB962C8B-B14F-4D97-AF65-F5344CB8AC3E}">
-        <p14:creationId xmlns:p14="http://schemas.microsoft.com/office/powerpoint/2010/main" val="1381104042"/>
-      </p:ext>
-    </p:extLst>
-  </p:cSld>
-  <p:clrMapOvr>
-    <a:masterClrMapping/>
-  </p:clrMapOvr>
-  <p:timing>
-    <p:tnLst>
-      <p:par>
-        <p:cTn id="1" dur="indefinite" restart="never" nodeType="tmRoot"/>
-      </p:par>
-    </p:tnLst>
-  </p:timing>
-</p:sld>
-</file>
-
-<file path=ppt/slides/slide4.xml><?xml version="1.0" encoding="utf-8"?>
-<p:sld xmlns:a="http://schemas.openxmlformats.org/drawingml/2006/main" xmlns:r="http://schemas.openxmlformats.org/officeDocument/2006/relationships" xmlns:p="http://schemas.openxmlformats.org/presentationml/2006/main">
-  <p:cSld>
-    <p:spTree>
-      <p:nvGrpSpPr>
-        <p:cNvPr id="1" name=""/>
-        <p:cNvGrpSpPr/>
-        <p:nvPr/>
-      </p:nvGrpSpPr>
-      <p:grpSpPr>
-        <a:xfrm>
-          <a:off x="0" y="0"/>
-          <a:ext cx="0" cy="0"/>
-          <a:chOff x="0" y="0"/>
-          <a:chExt cx="0" cy="0"/>
-        </a:xfrm>
-      </p:grpSpPr>
       <p:pic>
         <p:nvPicPr>
           <p:cNvPr id="3" name="Picture 2"/>
@@ -4649,10 +4258,9 @@
           <a:lstStyle/>
           <a:p>
             <a:r>
-              <a:rPr lang="en-US" sz="1300" dirty="0" smtClean="0"/>
+              <a:rPr lang="en-US" sz="1300" dirty="0"/>
               <a:t>Oral Deposition Fraction = </a:t>
             </a:r>
-            <a:endParaRPr lang="en-US" sz="1300" dirty="0"/>
           </a:p>
         </p:txBody>
       </p:sp>
@@ -4680,10 +4288,9 @@
           <a:p>
             <a:pPr algn="ctr"/>
             <a:r>
-              <a:rPr lang="en-US" sz="1300" dirty="0" smtClean="0"/>
+              <a:rPr lang="en-US" sz="1300" dirty="0"/>
               <a:t>Droplet Density</a:t>
             </a:r>
-            <a:endParaRPr lang="en-US" sz="1300" dirty="0"/>
           </a:p>
         </p:txBody>
       </p:sp>
@@ -4711,10 +4318,9 @@
           <a:p>
             <a:pPr algn="ctr"/>
             <a:r>
-              <a:rPr lang="en-US" sz="1300" dirty="0" smtClean="0"/>
+              <a:rPr lang="en-US" sz="1300" dirty="0"/>
               <a:t>Droplet Diameter</a:t>
             </a:r>
-            <a:endParaRPr lang="en-US" sz="1300" dirty="0"/>
           </a:p>
         </p:txBody>
       </p:sp>
@@ -4742,10 +4348,9 @@
           <a:p>
             <a:pPr algn="ctr"/>
             <a:r>
-              <a:rPr lang="en-US" sz="1300" dirty="0" smtClean="0"/>
+              <a:rPr lang="en-US" sz="1300" dirty="0"/>
               <a:t>Flow (mouth &amp; trachea)</a:t>
             </a:r>
-            <a:endParaRPr lang="en-US" sz="1300" dirty="0"/>
           </a:p>
         </p:txBody>
       </p:sp>
@@ -4871,58 +4476,54 @@
           <a:lstStyle/>
           <a:p>
             <a:r>
-              <a:rPr lang="en-US" dirty="0" smtClean="0">
+              <a:rPr lang="en-US" dirty="0">
                 <a:latin typeface="Cambria Math" panose="02040503050406030204" pitchFamily="18" charset="0"/>
                 <a:ea typeface="Cambria Math" panose="02040503050406030204" pitchFamily="18" charset="0"/>
               </a:rPr>
               <a:t>Oral Deposition Fraction = 1 / [1 + (</a:t>
             </a:r>
             <a:r>
-              <a:rPr lang="el-GR" dirty="0" smtClean="0">
+              <a:rPr lang="el-GR" dirty="0">
                 <a:latin typeface="Cambria Math" panose="02040503050406030204" pitchFamily="18" charset="0"/>
                 <a:ea typeface="Cambria Math" panose="02040503050406030204" pitchFamily="18" charset="0"/>
               </a:rPr>
               <a:t>ρ</a:t>
             </a:r>
             <a:r>
-              <a:rPr lang="en-US" dirty="0" smtClean="0">
+              <a:rPr lang="en-US" dirty="0">
                 <a:latin typeface="Cambria Math" panose="02040503050406030204" pitchFamily="18" charset="0"/>
                 <a:ea typeface="Cambria Math" panose="02040503050406030204" pitchFamily="18" charset="0"/>
               </a:rPr>
               <a:t>d</a:t>
             </a:r>
             <a:r>
-              <a:rPr lang="en-US" baseline="30000" dirty="0" smtClean="0">
+              <a:rPr lang="en-US" baseline="30000" dirty="0">
                 <a:latin typeface="Cambria Math" panose="02040503050406030204" pitchFamily="18" charset="0"/>
                 <a:ea typeface="Cambria Math" panose="02040503050406030204" pitchFamily="18" charset="0"/>
               </a:rPr>
               <a:t>2</a:t>
             </a:r>
             <a:r>
-              <a:rPr lang="en-US" dirty="0" smtClean="0">
+              <a:rPr lang="en-US" dirty="0">
                 <a:latin typeface="Cambria Math" panose="02040503050406030204" pitchFamily="18" charset="0"/>
                 <a:ea typeface="Cambria Math" panose="02040503050406030204" pitchFamily="18" charset="0"/>
               </a:rPr>
               <a:t>Q/30000)</a:t>
             </a:r>
             <a:r>
-              <a:rPr lang="en-US" baseline="30000" dirty="0" smtClean="0">
+              <a:rPr lang="en-US" baseline="30000" dirty="0">
                 <a:latin typeface="Cambria Math" panose="02040503050406030204" pitchFamily="18" charset="0"/>
                 <a:ea typeface="Cambria Math" panose="02040503050406030204" pitchFamily="18" charset="0"/>
               </a:rPr>
               <a:t>-1.27</a:t>
             </a:r>
             <a:r>
-              <a:rPr lang="en-US" dirty="0" smtClean="0">
+              <a:rPr lang="en-US" dirty="0">
                 <a:latin typeface="Cambria Math" panose="02040503050406030204" pitchFamily="18" charset="0"/>
                 <a:ea typeface="Cambria Math" panose="02040503050406030204" pitchFamily="18" charset="0"/>
               </a:rPr>
               <a:t>]</a:t>
             </a:r>
-            <a:endParaRPr lang="en-US" dirty="0">
-              <a:latin typeface="Cambria Math" panose="02040503050406030204" pitchFamily="18" charset="0"/>
-              <a:ea typeface="Cambria Math" panose="02040503050406030204" pitchFamily="18" charset="0"/>
-            </a:endParaRPr>
           </a:p>
         </p:txBody>
       </p:sp>
@@ -5003,15 +4604,14 @@
           <a:lstStyle/>
           <a:p>
             <a:r>
-              <a:rPr lang="en-US" dirty="0" smtClean="0"/>
+              <a:rPr lang="en-US" dirty="0"/>
               <a:t>Equation 1</a:t>
             </a:r>
-            <a:endParaRPr lang="en-US" dirty="0"/>
-          </a:p>
-        </p:txBody>
-      </p:sp>
-      <mc:AlternateContent xmlns:mc="http://schemas.openxmlformats.org/markup-compatibility/2006">
-        <mc:Choice xmlns:a14="http://schemas.microsoft.com/office/drawing/2010/main" Requires="a14">
+          </a:p>
+        </p:txBody>
+      </p:sp>
+      <mc:AlternateContent xmlns:mc="http://schemas.openxmlformats.org/markup-compatibility/2006" xmlns:a14="http://schemas.microsoft.com/office/drawing/2010/main">
+        <mc:Choice Requires="a14">
           <p:sp>
             <p:nvSpPr>
               <p:cNvPr id="2" name="Rectangle 1"/>
@@ -5033,6 +4633,7 @@
               </a:bodyPr>
               <a:lstStyle/>
               <a:p>
+                <a:pPr/>
                 <a14:m>
                   <m:oMathPara xmlns:m="http://schemas.openxmlformats.org/officeDocument/2006/math">
                     <m:oMathParaPr>
@@ -5040,82 +4641,110 @@
                     </m:oMathParaPr>
                     <m:oMath xmlns:m="http://schemas.openxmlformats.org/officeDocument/2006/math">
                       <m:r>
-                        <a:rPr lang="en-US" i="1"/>
+                        <a:rPr lang="en-US" i="1">
+                          <a:latin typeface="Cambria Math" panose="02040503050406030204" pitchFamily="18" charset="0"/>
+                        </a:rPr>
                         <m:t>𝑂𝐷𝐹</m:t>
                       </m:r>
                       <m:r>
-                        <a:rPr lang="en-US"/>
+                        <a:rPr lang="en-US">
+                          <a:latin typeface="Cambria Math" panose="02040503050406030204" pitchFamily="18" charset="0"/>
+                        </a:rPr>
                         <m:t>=</m:t>
                       </m:r>
                       <m:f>
                         <m:fPr>
                           <m:ctrlPr>
-                            <a:rPr lang="en-US" i="1"/>
+                            <a:rPr lang="en-US" i="1">
+                              <a:latin typeface="Cambria Math" panose="02040503050406030204" pitchFamily="18" charset="0"/>
+                            </a:rPr>
                           </m:ctrlPr>
                         </m:fPr>
                         <m:num>
                           <m:r>
-                            <a:rPr lang="en-US"/>
+                            <a:rPr lang="en-US">
+                              <a:latin typeface="Cambria Math" panose="02040503050406030204" pitchFamily="18" charset="0"/>
+                            </a:rPr>
                             <m:t>1</m:t>
                           </m:r>
                         </m:num>
                         <m:den>
                           <m:r>
-                            <a:rPr lang="en-US"/>
+                            <a:rPr lang="en-US">
+                              <a:latin typeface="Cambria Math" panose="02040503050406030204" pitchFamily="18" charset="0"/>
+                            </a:rPr>
                             <m:t>1+</m:t>
                           </m:r>
                           <m:sSup>
                             <m:sSupPr>
                               <m:ctrlPr>
-                                <a:rPr lang="en-US" i="1"/>
+                                <a:rPr lang="en-US" i="1">
+                                  <a:latin typeface="Cambria Math" panose="02040503050406030204" pitchFamily="18" charset="0"/>
+                                </a:rPr>
                               </m:ctrlPr>
                             </m:sSupPr>
                             <m:e>
                               <m:d>
                                 <m:dPr>
                                   <m:ctrlPr>
-                                    <a:rPr lang="en-US" i="1"/>
+                                    <a:rPr lang="en-US" i="1">
+                                      <a:latin typeface="Cambria Math" panose="02040503050406030204" pitchFamily="18" charset="0"/>
+                                    </a:rPr>
                                   </m:ctrlPr>
                                 </m:dPr>
                                 <m:e>
                                   <m:f>
                                     <m:fPr>
                                       <m:ctrlPr>
-                                        <a:rPr lang="en-US" i="1"/>
+                                        <a:rPr lang="en-US" i="1">
+                                          <a:latin typeface="Cambria Math" panose="02040503050406030204" pitchFamily="18" charset="0"/>
+                                        </a:rPr>
                                       </m:ctrlPr>
                                     </m:fPr>
                                     <m:num>
                                       <m:r>
-                                        <a:rPr lang="en-US" i="1"/>
+                                        <a:rPr lang="en-US" i="1">
+                                          <a:latin typeface="Cambria Math" panose="02040503050406030204" pitchFamily="18" charset="0"/>
+                                        </a:rPr>
                                         <m:t>𝜌</m:t>
                                       </m:r>
                                       <m:sSup>
                                         <m:sSupPr>
                                           <m:ctrlPr>
-                                            <a:rPr lang="en-US" i="1"/>
+                                            <a:rPr lang="en-US" i="1">
+                                              <a:latin typeface="Cambria Math" panose="02040503050406030204" pitchFamily="18" charset="0"/>
+                                            </a:rPr>
                                           </m:ctrlPr>
                                         </m:sSupPr>
                                         <m:e>
                                           <m:r>
-                                            <a:rPr lang="en-US" i="1"/>
+                                            <a:rPr lang="en-US" i="1">
+                                              <a:latin typeface="Cambria Math" panose="02040503050406030204" pitchFamily="18" charset="0"/>
+                                            </a:rPr>
                                             <m:t>𝑑</m:t>
                                           </m:r>
                                         </m:e>
                                         <m:sup>
                                           <m:r>
-                                            <a:rPr lang="en-US"/>
+                                            <a:rPr lang="en-US">
+                                              <a:latin typeface="Cambria Math" panose="02040503050406030204" pitchFamily="18" charset="0"/>
+                                            </a:rPr>
                                             <m:t>2</m:t>
                                           </m:r>
                                         </m:sup>
                                       </m:sSup>
                                       <m:r>
-                                        <a:rPr lang="en-US" i="1"/>
+                                        <a:rPr lang="en-US" i="1">
+                                          <a:latin typeface="Cambria Math" panose="02040503050406030204" pitchFamily="18" charset="0"/>
+                                        </a:rPr>
                                         <m:t>𝑄</m:t>
                                       </m:r>
                                     </m:num>
                                     <m:den>
                                       <m:r>
-                                        <a:rPr lang="en-US"/>
+                                        <a:rPr lang="en-US">
+                                          <a:latin typeface="Cambria Math" panose="02040503050406030204" pitchFamily="18" charset="0"/>
+                                        </a:rPr>
                                         <m:t>30000</m:t>
                                       </m:r>
                                     </m:den>
@@ -5125,7 +4754,9 @@
                             </m:e>
                             <m:sup>
                               <m:r>
-                                <a:rPr lang="en-US"/>
+                                <a:rPr lang="en-US">
+                                  <a:latin typeface="Cambria Math" panose="02040503050406030204" pitchFamily="18" charset="0"/>
+                                </a:rPr>
                                 <m:t>−1.37</m:t>
                               </m:r>
                             </m:sup>
@@ -5140,7 +4771,7 @@
             </p:txBody>
           </p:sp>
         </mc:Choice>
-        <mc:Fallback>
+        <mc:Fallback xmlns="">
           <p:sp>
             <p:nvSpPr>
               <p:cNvPr id="2" name="Rectangle 1"/>
